--- a/CSI2003 Advanced Algorithms/kanann_materials/14_AO Algorithm.pptx
+++ b/CSI2003 Advanced Algorithms/kanann_materials/14_AO Algorithm.pptx
@@ -120,6 +120,22 @@
       </a:defRPr>
     </a:lvl9pPr>
   </p:defaultTextStyle>
+  <p:extLst>
+    <p:ext uri="{EFAFB233-063F-42B5-8137-9DF3F51BA10A}">
+      <p15:sldGuideLst xmlns:p15="http://schemas.microsoft.com/office/powerpoint/2012/main">
+        <p15:guide id="1" orient="horz" pos="2160">
+          <p15:clr>
+            <a:srgbClr val="A4A3A4"/>
+          </p15:clr>
+        </p15:guide>
+        <p15:guide id="2" pos="2880">
+          <p15:clr>
+            <a:srgbClr val="A4A3A4"/>
+          </p15:clr>
+        </p15:guide>
+      </p15:sldGuideLst>
+    </p:ext>
+  </p:extLst>
 </p:presentation>
 </file>
 
@@ -205,7 +221,7 @@
           <a:p>
             <a:fld id="{F8BBF55F-D991-4059-8AB5-733FF2E63ABA}" type="datetimeFigureOut">
               <a:rPr lang="en-IN" smtClean="0"/>
-              <a:t>30-03-2021</a:t>
+              <a:t>23-06-2021</a:t>
             </a:fld>
             <a:endParaRPr lang="en-IN"/>
           </a:p>
@@ -269,35 +285,35 @@
           <a:p>
             <a:pPr lvl="0"/>
             <a:r>
-              <a:rPr lang="en-US" smtClean="0"/>
+              <a:rPr lang="en-US"/>
               <a:t>Click to edit Master text styles</a:t>
             </a:r>
           </a:p>
           <a:p>
             <a:pPr lvl="1"/>
             <a:r>
-              <a:rPr lang="en-US" smtClean="0"/>
+              <a:rPr lang="en-US"/>
               <a:t>Second level</a:t>
             </a:r>
           </a:p>
           <a:p>
             <a:pPr lvl="2"/>
             <a:r>
-              <a:rPr lang="en-US" smtClean="0"/>
+              <a:rPr lang="en-US"/>
               <a:t>Third level</a:t>
             </a:r>
           </a:p>
           <a:p>
             <a:pPr lvl="3"/>
             <a:r>
-              <a:rPr lang="en-US" smtClean="0"/>
+              <a:rPr lang="en-US"/>
               <a:t>Fourth level</a:t>
             </a:r>
           </a:p>
           <a:p>
             <a:pPr lvl="4"/>
             <a:r>
-              <a:rPr lang="en-US" smtClean="0"/>
+              <a:rPr lang="en-US"/>
               <a:t>Fifth level</a:t>
             </a:r>
             <a:endParaRPr lang="en-IN"/>
@@ -654,7 +670,7 @@
           <a:lstStyle/>
           <a:p>
             <a:pPr eaLnBrk="1" hangingPunct="1"/>
-            <a:endParaRPr lang="en-US" smtClean="0"/>
+            <a:endParaRPr lang="en-US"/>
           </a:p>
         </p:txBody>
       </p:sp>
@@ -704,10 +720,9 @@
           <a:lstStyle/>
           <a:p>
             <a:r>
-              <a:rPr lang="en-US" smtClean="0"/>
+              <a:rPr lang="en-US"/>
               <a:t>Click to edit Master title style</a:t>
             </a:r>
-            <a:endParaRPr lang="en-US"/>
           </a:p>
         </p:txBody>
       </p:sp>
@@ -823,10 +838,9 @@
           </a:lstStyle>
           <a:p>
             <a:r>
-              <a:rPr lang="en-US" smtClean="0"/>
+              <a:rPr lang="en-US"/>
               <a:t>Click to edit Master subtitle style</a:t>
             </a:r>
-            <a:endParaRPr lang="en-US"/>
           </a:p>
         </p:txBody>
       </p:sp>
@@ -848,7 +862,7 @@
             <a:fld id="{1D8BD707-D9CF-40AE-B4C6-C98DA3205C09}" type="datetimeFigureOut">
               <a:rPr lang="en-US" smtClean="0"/>
               <a:pPr/>
-              <a:t>3/30/2021</a:t>
+              <a:t>6/23/2021</a:t>
             </a:fld>
             <a:endParaRPr lang="en-US"/>
           </a:p>
@@ -938,10 +952,9 @@
           <a:lstStyle/>
           <a:p>
             <a:r>
-              <a:rPr lang="en-US" smtClean="0"/>
+              <a:rPr lang="en-US"/>
               <a:t>Click to edit Master title style</a:t>
             </a:r>
-            <a:endParaRPr lang="en-US"/>
           </a:p>
         </p:txBody>
       </p:sp>
@@ -962,38 +975,37 @@
           <a:p>
             <a:pPr lvl="0"/>
             <a:r>
-              <a:rPr lang="en-US" smtClean="0"/>
+              <a:rPr lang="en-US"/>
               <a:t>Click to edit Master text styles</a:t>
             </a:r>
           </a:p>
           <a:p>
             <a:pPr lvl="1"/>
             <a:r>
-              <a:rPr lang="en-US" smtClean="0"/>
+              <a:rPr lang="en-US"/>
               <a:t>Second level</a:t>
             </a:r>
           </a:p>
           <a:p>
             <a:pPr lvl="2"/>
             <a:r>
-              <a:rPr lang="en-US" smtClean="0"/>
+              <a:rPr lang="en-US"/>
               <a:t>Third level</a:t>
             </a:r>
           </a:p>
           <a:p>
             <a:pPr lvl="3"/>
             <a:r>
-              <a:rPr lang="en-US" smtClean="0"/>
+              <a:rPr lang="en-US"/>
               <a:t>Fourth level</a:t>
             </a:r>
           </a:p>
           <a:p>
             <a:pPr lvl="4"/>
             <a:r>
-              <a:rPr lang="en-US" smtClean="0"/>
+              <a:rPr lang="en-US"/>
               <a:t>Fifth level</a:t>
             </a:r>
-            <a:endParaRPr lang="en-US"/>
           </a:p>
         </p:txBody>
       </p:sp>
@@ -1015,7 +1027,7 @@
             <a:fld id="{1D8BD707-D9CF-40AE-B4C6-C98DA3205C09}" type="datetimeFigureOut">
               <a:rPr lang="en-US" smtClean="0"/>
               <a:pPr/>
-              <a:t>3/30/2021</a:t>
+              <a:t>6/23/2021</a:t>
             </a:fld>
             <a:endParaRPr lang="en-US"/>
           </a:p>
@@ -1110,10 +1122,9 @@
           <a:lstStyle/>
           <a:p>
             <a:r>
-              <a:rPr lang="en-US" smtClean="0"/>
+              <a:rPr lang="en-US"/>
               <a:t>Click to edit Master title style</a:t>
             </a:r>
-            <a:endParaRPr lang="en-US"/>
           </a:p>
         </p:txBody>
       </p:sp>
@@ -1139,38 +1150,37 @@
           <a:p>
             <a:pPr lvl="0"/>
             <a:r>
-              <a:rPr lang="en-US" smtClean="0"/>
+              <a:rPr lang="en-US"/>
               <a:t>Click to edit Master text styles</a:t>
             </a:r>
           </a:p>
           <a:p>
             <a:pPr lvl="1"/>
             <a:r>
-              <a:rPr lang="en-US" smtClean="0"/>
+              <a:rPr lang="en-US"/>
               <a:t>Second level</a:t>
             </a:r>
           </a:p>
           <a:p>
             <a:pPr lvl="2"/>
             <a:r>
-              <a:rPr lang="en-US" smtClean="0"/>
+              <a:rPr lang="en-US"/>
               <a:t>Third level</a:t>
             </a:r>
           </a:p>
           <a:p>
             <a:pPr lvl="3"/>
             <a:r>
-              <a:rPr lang="en-US" smtClean="0"/>
+              <a:rPr lang="en-US"/>
               <a:t>Fourth level</a:t>
             </a:r>
           </a:p>
           <a:p>
             <a:pPr lvl="4"/>
             <a:r>
-              <a:rPr lang="en-US" smtClean="0"/>
+              <a:rPr lang="en-US"/>
               <a:t>Fifth level</a:t>
             </a:r>
-            <a:endParaRPr lang="en-US"/>
           </a:p>
         </p:txBody>
       </p:sp>
@@ -1192,7 +1202,7 @@
             <a:fld id="{1D8BD707-D9CF-40AE-B4C6-C98DA3205C09}" type="datetimeFigureOut">
               <a:rPr lang="en-US" smtClean="0"/>
               <a:pPr/>
-              <a:t>3/30/2021</a:t>
+              <a:t>6/23/2021</a:t>
             </a:fld>
             <a:endParaRPr lang="en-US"/>
           </a:p>
@@ -1287,7 +1297,7 @@
           <a:lstStyle/>
           <a:p>
             <a:r>
-              <a:rPr lang="en-US" smtClean="0"/>
+              <a:rPr lang="en-US"/>
               <a:t>Click to edit Master title style</a:t>
             </a:r>
             <a:endParaRPr lang="en-IN"/>
@@ -1352,7 +1362,7 @@
           </a:lstStyle>
           <a:p>
             <a:r>
-              <a:rPr lang="en-US" smtClean="0"/>
+              <a:rPr lang="en-US"/>
               <a:t>Click to edit Master subtitle style</a:t>
             </a:r>
             <a:endParaRPr lang="en-IN"/>
@@ -1512,7 +1522,7 @@
           <a:lstStyle/>
           <a:p>
             <a:r>
-              <a:rPr lang="en-US" smtClean="0"/>
+              <a:rPr lang="en-US"/>
               <a:t>Click to edit Master title style</a:t>
             </a:r>
             <a:endParaRPr lang="en-IN"/>
@@ -1536,35 +1546,35 @@
           <a:p>
             <a:pPr lvl="0"/>
             <a:r>
-              <a:rPr lang="en-US" smtClean="0"/>
+              <a:rPr lang="en-US"/>
               <a:t>Click to edit Master text styles</a:t>
             </a:r>
           </a:p>
           <a:p>
             <a:pPr lvl="1"/>
             <a:r>
-              <a:rPr lang="en-US" smtClean="0"/>
+              <a:rPr lang="en-US"/>
               <a:t>Second level</a:t>
             </a:r>
           </a:p>
           <a:p>
             <a:pPr lvl="2"/>
             <a:r>
-              <a:rPr lang="en-US" smtClean="0"/>
+              <a:rPr lang="en-US"/>
               <a:t>Third level</a:t>
             </a:r>
           </a:p>
           <a:p>
             <a:pPr lvl="3"/>
             <a:r>
-              <a:rPr lang="en-US" smtClean="0"/>
+              <a:rPr lang="en-US"/>
               <a:t>Fourth level</a:t>
             </a:r>
           </a:p>
           <a:p>
             <a:pPr lvl="4"/>
             <a:r>
-              <a:rPr lang="en-US" smtClean="0"/>
+              <a:rPr lang="en-US"/>
               <a:t>Fifth level</a:t>
             </a:r>
             <a:endParaRPr lang="en-IN"/>
@@ -1733,7 +1743,7 @@
           </a:lstStyle>
           <a:p>
             <a:r>
-              <a:rPr lang="en-US" smtClean="0"/>
+              <a:rPr lang="en-US"/>
               <a:t>Click to edit Master title style</a:t>
             </a:r>
             <a:endParaRPr lang="en-IN"/>
@@ -1799,7 +1809,7 @@
           <a:p>
             <a:pPr lvl="0"/>
             <a:r>
-              <a:rPr lang="en-US" smtClean="0"/>
+              <a:rPr lang="en-US"/>
               <a:t>Click to edit Master text styles</a:t>
             </a:r>
           </a:p>
@@ -1958,7 +1968,7 @@
           <a:lstStyle/>
           <a:p>
             <a:r>
-              <a:rPr lang="en-US" smtClean="0"/>
+              <a:rPr lang="en-US"/>
               <a:t>Click to edit Master title style</a:t>
             </a:r>
             <a:endParaRPr lang="en-IN"/>
@@ -2015,35 +2025,35 @@
           <a:p>
             <a:pPr lvl="0"/>
             <a:r>
-              <a:rPr lang="en-US" smtClean="0"/>
+              <a:rPr lang="en-US"/>
               <a:t>Click to edit Master text styles</a:t>
             </a:r>
           </a:p>
           <a:p>
             <a:pPr lvl="1"/>
             <a:r>
-              <a:rPr lang="en-US" smtClean="0"/>
+              <a:rPr lang="en-US"/>
               <a:t>Second level</a:t>
             </a:r>
           </a:p>
           <a:p>
             <a:pPr lvl="2"/>
             <a:r>
-              <a:rPr lang="en-US" smtClean="0"/>
+              <a:rPr lang="en-US"/>
               <a:t>Third level</a:t>
             </a:r>
           </a:p>
           <a:p>
             <a:pPr lvl="3"/>
             <a:r>
-              <a:rPr lang="en-US" smtClean="0"/>
+              <a:rPr lang="en-US"/>
               <a:t>Fourth level</a:t>
             </a:r>
           </a:p>
           <a:p>
             <a:pPr lvl="4"/>
             <a:r>
-              <a:rPr lang="en-US" smtClean="0"/>
+              <a:rPr lang="en-US"/>
               <a:t>Fifth level</a:t>
             </a:r>
             <a:endParaRPr lang="en-IN"/>
@@ -2100,35 +2110,35 @@
           <a:p>
             <a:pPr lvl="0"/>
             <a:r>
-              <a:rPr lang="en-US" smtClean="0"/>
+              <a:rPr lang="en-US"/>
               <a:t>Click to edit Master text styles</a:t>
             </a:r>
           </a:p>
           <a:p>
             <a:pPr lvl="1"/>
             <a:r>
-              <a:rPr lang="en-US" smtClean="0"/>
+              <a:rPr lang="en-US"/>
               <a:t>Second level</a:t>
             </a:r>
           </a:p>
           <a:p>
             <a:pPr lvl="2"/>
             <a:r>
-              <a:rPr lang="en-US" smtClean="0"/>
+              <a:rPr lang="en-US"/>
               <a:t>Third level</a:t>
             </a:r>
           </a:p>
           <a:p>
             <a:pPr lvl="3"/>
             <a:r>
-              <a:rPr lang="en-US" smtClean="0"/>
+              <a:rPr lang="en-US"/>
               <a:t>Fourth level</a:t>
             </a:r>
           </a:p>
           <a:p>
             <a:pPr lvl="4"/>
             <a:r>
-              <a:rPr lang="en-US" smtClean="0"/>
+              <a:rPr lang="en-US"/>
               <a:t>Fifth level</a:t>
             </a:r>
             <a:endParaRPr lang="en-IN"/>
@@ -2292,7 +2302,7 @@
           </a:lstStyle>
           <a:p>
             <a:r>
-              <a:rPr lang="en-US" smtClean="0"/>
+              <a:rPr lang="en-US"/>
               <a:t>Click to edit Master title style</a:t>
             </a:r>
             <a:endParaRPr lang="en-IN"/>
@@ -2358,7 +2368,7 @@
           <a:p>
             <a:pPr lvl="0"/>
             <a:r>
-              <a:rPr lang="en-US" smtClean="0"/>
+              <a:rPr lang="en-US"/>
               <a:t>Click to edit Master text styles</a:t>
             </a:r>
           </a:p>
@@ -2414,35 +2424,35 @@
           <a:p>
             <a:pPr lvl="0"/>
             <a:r>
-              <a:rPr lang="en-US" smtClean="0"/>
+              <a:rPr lang="en-US"/>
               <a:t>Click to edit Master text styles</a:t>
             </a:r>
           </a:p>
           <a:p>
             <a:pPr lvl="1"/>
             <a:r>
-              <a:rPr lang="en-US" smtClean="0"/>
+              <a:rPr lang="en-US"/>
               <a:t>Second level</a:t>
             </a:r>
           </a:p>
           <a:p>
             <a:pPr lvl="2"/>
             <a:r>
-              <a:rPr lang="en-US" smtClean="0"/>
+              <a:rPr lang="en-US"/>
               <a:t>Third level</a:t>
             </a:r>
           </a:p>
           <a:p>
             <a:pPr lvl="3"/>
             <a:r>
-              <a:rPr lang="en-US" smtClean="0"/>
+              <a:rPr lang="en-US"/>
               <a:t>Fourth level</a:t>
             </a:r>
           </a:p>
           <a:p>
             <a:pPr lvl="4"/>
             <a:r>
-              <a:rPr lang="en-US" smtClean="0"/>
+              <a:rPr lang="en-US"/>
               <a:t>Fifth level</a:t>
             </a:r>
             <a:endParaRPr lang="en-IN"/>
@@ -2508,7 +2518,7 @@
           <a:p>
             <a:pPr lvl="0"/>
             <a:r>
-              <a:rPr lang="en-US" smtClean="0"/>
+              <a:rPr lang="en-US"/>
               <a:t>Click to edit Master text styles</a:t>
             </a:r>
           </a:p>
@@ -2564,35 +2574,35 @@
           <a:p>
             <a:pPr lvl="0"/>
             <a:r>
-              <a:rPr lang="en-US" smtClean="0"/>
+              <a:rPr lang="en-US"/>
               <a:t>Click to edit Master text styles</a:t>
             </a:r>
           </a:p>
           <a:p>
             <a:pPr lvl="1"/>
             <a:r>
-              <a:rPr lang="en-US" smtClean="0"/>
+              <a:rPr lang="en-US"/>
               <a:t>Second level</a:t>
             </a:r>
           </a:p>
           <a:p>
             <a:pPr lvl="2"/>
             <a:r>
-              <a:rPr lang="en-US" smtClean="0"/>
+              <a:rPr lang="en-US"/>
               <a:t>Third level</a:t>
             </a:r>
           </a:p>
           <a:p>
             <a:pPr lvl="3"/>
             <a:r>
-              <a:rPr lang="en-US" smtClean="0"/>
+              <a:rPr lang="en-US"/>
               <a:t>Fourth level</a:t>
             </a:r>
           </a:p>
           <a:p>
             <a:pPr lvl="4"/>
             <a:r>
-              <a:rPr lang="en-US" smtClean="0"/>
+              <a:rPr lang="en-US"/>
               <a:t>Fifth level</a:t>
             </a:r>
             <a:endParaRPr lang="en-IN"/>
@@ -2752,7 +2762,7 @@
           <a:lstStyle/>
           <a:p>
             <a:r>
-              <a:rPr lang="en-US" smtClean="0"/>
+              <a:rPr lang="en-US"/>
               <a:t>Click to edit Master title style</a:t>
             </a:r>
             <a:endParaRPr lang="en-IN"/>
@@ -3058,7 +3068,7 @@
           </a:lstStyle>
           <a:p>
             <a:r>
-              <a:rPr lang="en-US" smtClean="0"/>
+              <a:rPr lang="en-US"/>
               <a:t>Click to edit Master title style</a:t>
             </a:r>
             <a:endParaRPr lang="en-IN"/>
@@ -3115,35 +3125,35 @@
           <a:p>
             <a:pPr lvl="0"/>
             <a:r>
-              <a:rPr lang="en-US" smtClean="0"/>
+              <a:rPr lang="en-US"/>
               <a:t>Click to edit Master text styles</a:t>
             </a:r>
           </a:p>
           <a:p>
             <a:pPr lvl="1"/>
             <a:r>
-              <a:rPr lang="en-US" smtClean="0"/>
+              <a:rPr lang="en-US"/>
               <a:t>Second level</a:t>
             </a:r>
           </a:p>
           <a:p>
             <a:pPr lvl="2"/>
             <a:r>
-              <a:rPr lang="en-US" smtClean="0"/>
+              <a:rPr lang="en-US"/>
               <a:t>Third level</a:t>
             </a:r>
           </a:p>
           <a:p>
             <a:pPr lvl="3"/>
             <a:r>
-              <a:rPr lang="en-US" smtClean="0"/>
+              <a:rPr lang="en-US"/>
               <a:t>Fourth level</a:t>
             </a:r>
           </a:p>
           <a:p>
             <a:pPr lvl="4"/>
             <a:r>
-              <a:rPr lang="en-US" smtClean="0"/>
+              <a:rPr lang="en-US"/>
               <a:t>Fifth level</a:t>
             </a:r>
             <a:endParaRPr lang="en-IN"/>
@@ -3209,7 +3219,7 @@
           <a:p>
             <a:pPr lvl="0"/>
             <a:r>
-              <a:rPr lang="en-US" smtClean="0"/>
+              <a:rPr lang="en-US"/>
               <a:t>Click to edit Master text styles</a:t>
             </a:r>
           </a:p>
@@ -3368,10 +3378,9 @@
           <a:lstStyle/>
           <a:p>
             <a:r>
-              <a:rPr lang="en-US" smtClean="0"/>
+              <a:rPr lang="en-US"/>
               <a:t>Click to edit Master title style</a:t>
             </a:r>
-            <a:endParaRPr lang="en-US"/>
           </a:p>
         </p:txBody>
       </p:sp>
@@ -3392,38 +3401,37 @@
           <a:p>
             <a:pPr lvl="0"/>
             <a:r>
-              <a:rPr lang="en-US" smtClean="0"/>
+              <a:rPr lang="en-US"/>
               <a:t>Click to edit Master text styles</a:t>
             </a:r>
           </a:p>
           <a:p>
             <a:pPr lvl="1"/>
             <a:r>
-              <a:rPr lang="en-US" smtClean="0"/>
+              <a:rPr lang="en-US"/>
               <a:t>Second level</a:t>
             </a:r>
           </a:p>
           <a:p>
             <a:pPr lvl="2"/>
             <a:r>
-              <a:rPr lang="en-US" smtClean="0"/>
+              <a:rPr lang="en-US"/>
               <a:t>Third level</a:t>
             </a:r>
           </a:p>
           <a:p>
             <a:pPr lvl="3"/>
             <a:r>
-              <a:rPr lang="en-US" smtClean="0"/>
+              <a:rPr lang="en-US"/>
               <a:t>Fourth level</a:t>
             </a:r>
           </a:p>
           <a:p>
             <a:pPr lvl="4"/>
             <a:r>
-              <a:rPr lang="en-US" smtClean="0"/>
+              <a:rPr lang="en-US"/>
               <a:t>Fifth level</a:t>
             </a:r>
-            <a:endParaRPr lang="en-US"/>
           </a:p>
         </p:txBody>
       </p:sp>
@@ -3445,7 +3453,7 @@
             <a:fld id="{1D8BD707-D9CF-40AE-B4C6-C98DA3205C09}" type="datetimeFigureOut">
               <a:rPr lang="en-US" smtClean="0"/>
               <a:pPr/>
-              <a:t>3/30/2021</a:t>
+              <a:t>6/23/2021</a:t>
             </a:fld>
             <a:endParaRPr lang="en-US"/>
           </a:p>
@@ -3544,7 +3552,7 @@
           </a:lstStyle>
           <a:p>
             <a:r>
-              <a:rPr lang="en-US" smtClean="0"/>
+              <a:rPr lang="en-US"/>
               <a:t>Click to edit Master title style</a:t>
             </a:r>
             <a:endParaRPr lang="en-IN"/>
@@ -3609,7 +3617,7 @@
           </a:lstStyle>
           <a:p>
             <a:pPr lvl="0"/>
-            <a:endParaRPr lang="en-IN" noProof="0" smtClean="0"/>
+            <a:endParaRPr lang="en-IN" noProof="0"/>
           </a:p>
         </p:txBody>
       </p:sp>
@@ -3672,7 +3680,7 @@
           <a:p>
             <a:pPr lvl="0"/>
             <a:r>
-              <a:rPr lang="en-US" smtClean="0"/>
+              <a:rPr lang="en-US"/>
               <a:t>Click to edit Master text styles</a:t>
             </a:r>
           </a:p>
@@ -3831,7 +3839,7 @@
           <a:lstStyle/>
           <a:p>
             <a:r>
-              <a:rPr lang="en-US" smtClean="0"/>
+              <a:rPr lang="en-US"/>
               <a:t>Click to edit Master title style</a:t>
             </a:r>
             <a:endParaRPr lang="en-IN"/>
@@ -3855,35 +3863,35 @@
           <a:p>
             <a:pPr lvl="0"/>
             <a:r>
-              <a:rPr lang="en-US" smtClean="0"/>
+              <a:rPr lang="en-US"/>
               <a:t>Click to edit Master text styles</a:t>
             </a:r>
           </a:p>
           <a:p>
             <a:pPr lvl="1"/>
             <a:r>
-              <a:rPr lang="en-US" smtClean="0"/>
+              <a:rPr lang="en-US"/>
               <a:t>Second level</a:t>
             </a:r>
           </a:p>
           <a:p>
             <a:pPr lvl="2"/>
             <a:r>
-              <a:rPr lang="en-US" smtClean="0"/>
+              <a:rPr lang="en-US"/>
               <a:t>Third level</a:t>
             </a:r>
           </a:p>
           <a:p>
             <a:pPr lvl="3"/>
             <a:r>
-              <a:rPr lang="en-US" smtClean="0"/>
+              <a:rPr lang="en-US"/>
               <a:t>Fourth level</a:t>
             </a:r>
           </a:p>
           <a:p>
             <a:pPr lvl="4"/>
             <a:r>
-              <a:rPr lang="en-US" smtClean="0"/>
+              <a:rPr lang="en-US"/>
               <a:t>Fifth level</a:t>
             </a:r>
             <a:endParaRPr lang="en-IN"/>
@@ -4048,7 +4056,7 @@
           <a:lstStyle/>
           <a:p>
             <a:r>
-              <a:rPr lang="en-US" smtClean="0"/>
+              <a:rPr lang="en-US"/>
               <a:t>Click to edit Master title style</a:t>
             </a:r>
             <a:endParaRPr lang="en-IN"/>
@@ -4077,35 +4085,35 @@
           <a:p>
             <a:pPr lvl="0"/>
             <a:r>
-              <a:rPr lang="en-US" smtClean="0"/>
+              <a:rPr lang="en-US"/>
               <a:t>Click to edit Master text styles</a:t>
             </a:r>
           </a:p>
           <a:p>
             <a:pPr lvl="1"/>
             <a:r>
-              <a:rPr lang="en-US" smtClean="0"/>
+              <a:rPr lang="en-US"/>
               <a:t>Second level</a:t>
             </a:r>
           </a:p>
           <a:p>
             <a:pPr lvl="2"/>
             <a:r>
-              <a:rPr lang="en-US" smtClean="0"/>
+              <a:rPr lang="en-US"/>
               <a:t>Third level</a:t>
             </a:r>
           </a:p>
           <a:p>
             <a:pPr lvl="3"/>
             <a:r>
-              <a:rPr lang="en-US" smtClean="0"/>
+              <a:rPr lang="en-US"/>
               <a:t>Fourth level</a:t>
             </a:r>
           </a:p>
           <a:p>
             <a:pPr lvl="4"/>
             <a:r>
-              <a:rPr lang="en-US" smtClean="0"/>
+              <a:rPr lang="en-US"/>
               <a:t>Fifth level</a:t>
             </a:r>
             <a:endParaRPr lang="en-IN"/>
@@ -4270,7 +4278,7 @@
           <a:lstStyle/>
           <a:p>
             <a:r>
-              <a:rPr lang="en-US" smtClean="0"/>
+              <a:rPr lang="en-US"/>
               <a:t>Click to edit Master title style</a:t>
             </a:r>
             <a:endParaRPr lang="en-IN"/>
@@ -4298,7 +4306,7 @@
           <a:lstStyle/>
           <a:p>
             <a:pPr lvl="0"/>
-            <a:endParaRPr lang="en-IN" noProof="0" smtClean="0"/>
+            <a:endParaRPr lang="en-IN" noProof="0"/>
           </a:p>
         </p:txBody>
       </p:sp>
@@ -4464,10 +4472,9 @@
           </a:lstStyle>
           <a:p>
             <a:r>
-              <a:rPr lang="en-US" smtClean="0"/>
+              <a:rPr lang="en-US"/>
               <a:t>Click to edit Master title style</a:t>
             </a:r>
-            <a:endParaRPr lang="en-US"/>
           </a:p>
         </p:txBody>
       </p:sp>
@@ -4584,7 +4591,7 @@
           <a:p>
             <a:pPr lvl="0"/>
             <a:r>
-              <a:rPr lang="en-US" smtClean="0"/>
+              <a:rPr lang="en-US"/>
               <a:t>Click to edit Master text styles</a:t>
             </a:r>
           </a:p>
@@ -4608,7 +4615,7 @@
             <a:fld id="{1D8BD707-D9CF-40AE-B4C6-C98DA3205C09}" type="datetimeFigureOut">
               <a:rPr lang="en-US" smtClean="0"/>
               <a:pPr/>
-              <a:t>3/30/2021</a:t>
+              <a:t>6/23/2021</a:t>
             </a:fld>
             <a:endParaRPr lang="en-US"/>
           </a:p>
@@ -4698,10 +4705,9 @@
           <a:lstStyle/>
           <a:p>
             <a:r>
-              <a:rPr lang="en-US" smtClean="0"/>
+              <a:rPr lang="en-US"/>
               <a:t>Click to edit Master title style</a:t>
             </a:r>
-            <a:endParaRPr lang="en-US"/>
           </a:p>
         </p:txBody>
       </p:sp>
@@ -4755,38 +4761,37 @@
           <a:p>
             <a:pPr lvl="0"/>
             <a:r>
-              <a:rPr lang="en-US" smtClean="0"/>
+              <a:rPr lang="en-US"/>
               <a:t>Click to edit Master text styles</a:t>
             </a:r>
           </a:p>
           <a:p>
             <a:pPr lvl="1"/>
             <a:r>
-              <a:rPr lang="en-US" smtClean="0"/>
+              <a:rPr lang="en-US"/>
               <a:t>Second level</a:t>
             </a:r>
           </a:p>
           <a:p>
             <a:pPr lvl="2"/>
             <a:r>
-              <a:rPr lang="en-US" smtClean="0"/>
+              <a:rPr lang="en-US"/>
               <a:t>Third level</a:t>
             </a:r>
           </a:p>
           <a:p>
             <a:pPr lvl="3"/>
             <a:r>
-              <a:rPr lang="en-US" smtClean="0"/>
+              <a:rPr lang="en-US"/>
               <a:t>Fourth level</a:t>
             </a:r>
           </a:p>
           <a:p>
             <a:pPr lvl="4"/>
             <a:r>
-              <a:rPr lang="en-US" smtClean="0"/>
+              <a:rPr lang="en-US"/>
               <a:t>Fifth level</a:t>
             </a:r>
-            <a:endParaRPr lang="en-US"/>
           </a:p>
         </p:txBody>
       </p:sp>
@@ -4840,38 +4845,37 @@
           <a:p>
             <a:pPr lvl="0"/>
             <a:r>
-              <a:rPr lang="en-US" smtClean="0"/>
+              <a:rPr lang="en-US"/>
               <a:t>Click to edit Master text styles</a:t>
             </a:r>
           </a:p>
           <a:p>
             <a:pPr lvl="1"/>
             <a:r>
-              <a:rPr lang="en-US" smtClean="0"/>
+              <a:rPr lang="en-US"/>
               <a:t>Second level</a:t>
             </a:r>
           </a:p>
           <a:p>
             <a:pPr lvl="2"/>
             <a:r>
-              <a:rPr lang="en-US" smtClean="0"/>
+              <a:rPr lang="en-US"/>
               <a:t>Third level</a:t>
             </a:r>
           </a:p>
           <a:p>
             <a:pPr lvl="3"/>
             <a:r>
-              <a:rPr lang="en-US" smtClean="0"/>
+              <a:rPr lang="en-US"/>
               <a:t>Fourth level</a:t>
             </a:r>
           </a:p>
           <a:p>
             <a:pPr lvl="4"/>
             <a:r>
-              <a:rPr lang="en-US" smtClean="0"/>
+              <a:rPr lang="en-US"/>
               <a:t>Fifth level</a:t>
             </a:r>
-            <a:endParaRPr lang="en-US"/>
           </a:p>
         </p:txBody>
       </p:sp>
@@ -4893,7 +4897,7 @@
             <a:fld id="{1D8BD707-D9CF-40AE-B4C6-C98DA3205C09}" type="datetimeFigureOut">
               <a:rPr lang="en-US" smtClean="0"/>
               <a:pPr/>
-              <a:t>3/30/2021</a:t>
+              <a:t>6/23/2021</a:t>
             </a:fld>
             <a:endParaRPr lang="en-US"/>
           </a:p>
@@ -4987,10 +4991,9 @@
           </a:lstStyle>
           <a:p>
             <a:r>
-              <a:rPr lang="en-US" smtClean="0"/>
+              <a:rPr lang="en-US"/>
               <a:t>Click to edit Master title style</a:t>
             </a:r>
-            <a:endParaRPr lang="en-US"/>
           </a:p>
         </p:txBody>
       </p:sp>
@@ -5053,7 +5056,7 @@
           <a:p>
             <a:pPr lvl="0"/>
             <a:r>
-              <a:rPr lang="en-US" smtClean="0"/>
+              <a:rPr lang="en-US"/>
               <a:t>Click to edit Master text styles</a:t>
             </a:r>
           </a:p>
@@ -5109,38 +5112,37 @@
           <a:p>
             <a:pPr lvl="0"/>
             <a:r>
-              <a:rPr lang="en-US" smtClean="0"/>
+              <a:rPr lang="en-US"/>
               <a:t>Click to edit Master text styles</a:t>
             </a:r>
           </a:p>
           <a:p>
             <a:pPr lvl="1"/>
             <a:r>
-              <a:rPr lang="en-US" smtClean="0"/>
+              <a:rPr lang="en-US"/>
               <a:t>Second level</a:t>
             </a:r>
           </a:p>
           <a:p>
             <a:pPr lvl="2"/>
             <a:r>
-              <a:rPr lang="en-US" smtClean="0"/>
+              <a:rPr lang="en-US"/>
               <a:t>Third level</a:t>
             </a:r>
           </a:p>
           <a:p>
             <a:pPr lvl="3"/>
             <a:r>
-              <a:rPr lang="en-US" smtClean="0"/>
+              <a:rPr lang="en-US"/>
               <a:t>Fourth level</a:t>
             </a:r>
           </a:p>
           <a:p>
             <a:pPr lvl="4"/>
             <a:r>
-              <a:rPr lang="en-US" smtClean="0"/>
+              <a:rPr lang="en-US"/>
               <a:t>Fifth level</a:t>
             </a:r>
-            <a:endParaRPr lang="en-US"/>
           </a:p>
         </p:txBody>
       </p:sp>
@@ -5203,7 +5205,7 @@
           <a:p>
             <a:pPr lvl="0"/>
             <a:r>
-              <a:rPr lang="en-US" smtClean="0"/>
+              <a:rPr lang="en-US"/>
               <a:t>Click to edit Master text styles</a:t>
             </a:r>
           </a:p>
@@ -5259,38 +5261,37 @@
           <a:p>
             <a:pPr lvl="0"/>
             <a:r>
-              <a:rPr lang="en-US" smtClean="0"/>
+              <a:rPr lang="en-US"/>
               <a:t>Click to edit Master text styles</a:t>
             </a:r>
           </a:p>
           <a:p>
             <a:pPr lvl="1"/>
             <a:r>
-              <a:rPr lang="en-US" smtClean="0"/>
+              <a:rPr lang="en-US"/>
               <a:t>Second level</a:t>
             </a:r>
           </a:p>
           <a:p>
             <a:pPr lvl="2"/>
             <a:r>
-              <a:rPr lang="en-US" smtClean="0"/>
+              <a:rPr lang="en-US"/>
               <a:t>Third level</a:t>
             </a:r>
           </a:p>
           <a:p>
             <a:pPr lvl="3"/>
             <a:r>
-              <a:rPr lang="en-US" smtClean="0"/>
+              <a:rPr lang="en-US"/>
               <a:t>Fourth level</a:t>
             </a:r>
           </a:p>
           <a:p>
             <a:pPr lvl="4"/>
             <a:r>
-              <a:rPr lang="en-US" smtClean="0"/>
+              <a:rPr lang="en-US"/>
               <a:t>Fifth level</a:t>
             </a:r>
-            <a:endParaRPr lang="en-US"/>
           </a:p>
         </p:txBody>
       </p:sp>
@@ -5312,7 +5313,7 @@
             <a:fld id="{1D8BD707-D9CF-40AE-B4C6-C98DA3205C09}" type="datetimeFigureOut">
               <a:rPr lang="en-US" smtClean="0"/>
               <a:pPr/>
-              <a:t>3/30/2021</a:t>
+              <a:t>6/23/2021</a:t>
             </a:fld>
             <a:endParaRPr lang="en-US"/>
           </a:p>
@@ -5402,10 +5403,9 @@
           <a:lstStyle/>
           <a:p>
             <a:r>
-              <a:rPr lang="en-US" smtClean="0"/>
+              <a:rPr lang="en-US"/>
               <a:t>Click to edit Master title style</a:t>
             </a:r>
-            <a:endParaRPr lang="en-US"/>
           </a:p>
         </p:txBody>
       </p:sp>
@@ -5427,7 +5427,7 @@
             <a:fld id="{1D8BD707-D9CF-40AE-B4C6-C98DA3205C09}" type="datetimeFigureOut">
               <a:rPr lang="en-US" smtClean="0"/>
               <a:pPr/>
-              <a:t>3/30/2021</a:t>
+              <a:t>6/23/2021</a:t>
             </a:fld>
             <a:endParaRPr lang="en-US"/>
           </a:p>
@@ -5519,7 +5519,7 @@
             <a:fld id="{1D8BD707-D9CF-40AE-B4C6-C98DA3205C09}" type="datetimeFigureOut">
               <a:rPr lang="en-US" smtClean="0"/>
               <a:pPr/>
-              <a:t>3/30/2021</a:t>
+              <a:t>6/23/2021</a:t>
             </a:fld>
             <a:endParaRPr lang="en-US"/>
           </a:p>
@@ -5618,10 +5618,9 @@
           </a:lstStyle>
           <a:p>
             <a:r>
-              <a:rPr lang="en-US" smtClean="0"/>
+              <a:rPr lang="en-US"/>
               <a:t>Click to edit Master title style</a:t>
             </a:r>
-            <a:endParaRPr lang="en-US"/>
           </a:p>
         </p:txBody>
       </p:sp>
@@ -5675,38 +5674,37 @@
           <a:p>
             <a:pPr lvl="0"/>
             <a:r>
-              <a:rPr lang="en-US" smtClean="0"/>
+              <a:rPr lang="en-US"/>
               <a:t>Click to edit Master text styles</a:t>
             </a:r>
           </a:p>
           <a:p>
             <a:pPr lvl="1"/>
             <a:r>
-              <a:rPr lang="en-US" smtClean="0"/>
+              <a:rPr lang="en-US"/>
               <a:t>Second level</a:t>
             </a:r>
           </a:p>
           <a:p>
             <a:pPr lvl="2"/>
             <a:r>
-              <a:rPr lang="en-US" smtClean="0"/>
+              <a:rPr lang="en-US"/>
               <a:t>Third level</a:t>
             </a:r>
           </a:p>
           <a:p>
             <a:pPr lvl="3"/>
             <a:r>
-              <a:rPr lang="en-US" smtClean="0"/>
+              <a:rPr lang="en-US"/>
               <a:t>Fourth level</a:t>
             </a:r>
           </a:p>
           <a:p>
             <a:pPr lvl="4"/>
             <a:r>
-              <a:rPr lang="en-US" smtClean="0"/>
+              <a:rPr lang="en-US"/>
               <a:t>Fifth level</a:t>
             </a:r>
-            <a:endParaRPr lang="en-US"/>
           </a:p>
         </p:txBody>
       </p:sp>
@@ -5769,7 +5767,7 @@
           <a:p>
             <a:pPr lvl="0"/>
             <a:r>
-              <a:rPr lang="en-US" smtClean="0"/>
+              <a:rPr lang="en-US"/>
               <a:t>Click to edit Master text styles</a:t>
             </a:r>
           </a:p>
@@ -5793,7 +5791,7 @@
             <a:fld id="{1D8BD707-D9CF-40AE-B4C6-C98DA3205C09}" type="datetimeFigureOut">
               <a:rPr lang="en-US" smtClean="0"/>
               <a:pPr/>
-              <a:t>3/30/2021</a:t>
+              <a:t>6/23/2021</a:t>
             </a:fld>
             <a:endParaRPr lang="en-US"/>
           </a:p>
@@ -5892,10 +5890,9 @@
           </a:lstStyle>
           <a:p>
             <a:r>
-              <a:rPr lang="en-US" smtClean="0"/>
+              <a:rPr lang="en-US"/>
               <a:t>Click to edit Master title style</a:t>
             </a:r>
-            <a:endParaRPr lang="en-US"/>
           </a:p>
         </p:txBody>
       </p:sp>
@@ -6019,7 +6016,7 @@
           <a:p>
             <a:pPr lvl="0"/>
             <a:r>
-              <a:rPr lang="en-US" smtClean="0"/>
+              <a:rPr lang="en-US"/>
               <a:t>Click to edit Master text styles</a:t>
             </a:r>
           </a:p>
@@ -6043,7 +6040,7 @@
             <a:fld id="{1D8BD707-D9CF-40AE-B4C6-C98DA3205C09}" type="datetimeFigureOut">
               <a:rPr lang="en-US" smtClean="0"/>
               <a:pPr/>
-              <a:t>3/30/2021</a:t>
+              <a:t>6/23/2021</a:t>
             </a:fld>
             <a:endParaRPr lang="en-US"/>
           </a:p>
@@ -6148,10 +6145,9 @@
           <a:lstStyle/>
           <a:p>
             <a:r>
-              <a:rPr lang="en-US" smtClean="0"/>
+              <a:rPr lang="en-US"/>
               <a:t>Click to edit Master title style</a:t>
             </a:r>
-            <a:endParaRPr lang="en-US"/>
           </a:p>
         </p:txBody>
       </p:sp>
@@ -6182,38 +6178,37 @@
           <a:p>
             <a:pPr lvl="0"/>
             <a:r>
-              <a:rPr lang="en-US" smtClean="0"/>
+              <a:rPr lang="en-US"/>
               <a:t>Click to edit Master text styles</a:t>
             </a:r>
           </a:p>
           <a:p>
             <a:pPr lvl="1"/>
             <a:r>
-              <a:rPr lang="en-US" smtClean="0"/>
+              <a:rPr lang="en-US"/>
               <a:t>Second level</a:t>
             </a:r>
           </a:p>
           <a:p>
             <a:pPr lvl="2"/>
             <a:r>
-              <a:rPr lang="en-US" smtClean="0"/>
+              <a:rPr lang="en-US"/>
               <a:t>Third level</a:t>
             </a:r>
           </a:p>
           <a:p>
             <a:pPr lvl="3"/>
             <a:r>
-              <a:rPr lang="en-US" smtClean="0"/>
+              <a:rPr lang="en-US"/>
               <a:t>Fourth level</a:t>
             </a:r>
           </a:p>
           <a:p>
             <a:pPr lvl="4"/>
             <a:r>
-              <a:rPr lang="en-US" smtClean="0"/>
+              <a:rPr lang="en-US"/>
               <a:t>Fifth level</a:t>
             </a:r>
-            <a:endParaRPr lang="en-US"/>
           </a:p>
         </p:txBody>
       </p:sp>
@@ -6253,7 +6248,7 @@
             <a:fld id="{1D8BD707-D9CF-40AE-B4C6-C98DA3205C09}" type="datetimeFigureOut">
               <a:rPr lang="en-US" smtClean="0"/>
               <a:pPr/>
-              <a:t>3/30/2021</a:t>
+              <a:t>6/23/2021</a:t>
             </a:fld>
             <a:endParaRPr lang="en-US"/>
           </a:p>
@@ -6694,7 +6689,7 @@
           <a:p>
             <a:pPr lvl="0"/>
             <a:r>
-              <a:rPr lang="en-US" smtClean="0"/>
+              <a:rPr lang="en-US"/>
               <a:t>Click to edit Master title style</a:t>
             </a:r>
           </a:p>
@@ -6762,35 +6757,35 @@
           <a:p>
             <a:pPr lvl="0"/>
             <a:r>
-              <a:rPr lang="en-US" smtClean="0"/>
+              <a:rPr lang="en-US"/>
               <a:t>Click to edit Master text styles</a:t>
             </a:r>
           </a:p>
           <a:p>
             <a:pPr lvl="1"/>
             <a:r>
-              <a:rPr lang="en-US" smtClean="0"/>
+              <a:rPr lang="en-US"/>
               <a:t>Second level</a:t>
             </a:r>
           </a:p>
           <a:p>
             <a:pPr lvl="2"/>
             <a:r>
-              <a:rPr lang="en-US" smtClean="0"/>
+              <a:rPr lang="en-US"/>
               <a:t>Third level</a:t>
             </a:r>
           </a:p>
           <a:p>
             <a:pPr lvl="3"/>
             <a:r>
-              <a:rPr lang="en-US" smtClean="0"/>
+              <a:rPr lang="en-US"/>
               <a:t>Fourth level</a:t>
             </a:r>
           </a:p>
           <a:p>
             <a:pPr lvl="4"/>
             <a:r>
-              <a:rPr lang="en-US" smtClean="0"/>
+              <a:rPr lang="en-US"/>
               <a:t>Fifth level</a:t>
             </a:r>
           </a:p>
@@ -7480,10 +7475,9 @@
           <a:lstStyle/>
           <a:p>
             <a:r>
-              <a:rPr lang="en-IN" dirty="0" smtClean="0"/>
+              <a:rPr lang="en-IN" dirty="0"/>
               <a:t>AO* Algorithm</a:t>
             </a:r>
-            <a:endParaRPr lang="en-IN" dirty="0"/>
           </a:p>
         </p:txBody>
       </p:sp>
@@ -7503,38 +7497,33 @@
           <a:lstStyle/>
           <a:p>
             <a:r>
-              <a:rPr lang="en-IN" dirty="0" smtClean="0"/>
+              <a:rPr lang="en-IN" dirty="0"/>
               <a:t>Heuristic Search </a:t>
             </a:r>
           </a:p>
           <a:p>
             <a:r>
-              <a:rPr lang="en-IN" dirty="0" smtClean="0"/>
+              <a:rPr lang="en-IN" dirty="0"/>
               <a:t>AND_OR Graphs</a:t>
             </a:r>
           </a:p>
           <a:p>
             <a:r>
-              <a:rPr lang="en-IN" dirty="0" smtClean="0"/>
+              <a:rPr lang="en-IN" dirty="0"/>
               <a:t>FUTILITY</a:t>
             </a:r>
           </a:p>
           <a:p>
             <a:r>
-              <a:rPr lang="en-IN" dirty="0" smtClean="0"/>
+              <a:rPr lang="en-IN" dirty="0"/>
               <a:t>GRAPH</a:t>
             </a:r>
           </a:p>
           <a:p>
             <a:r>
               <a:rPr lang="en-IN" dirty="0"/>
-              <a:t>h</a:t>
-            </a:r>
-            <a:r>
-              <a:rPr lang="en-IN" dirty="0" smtClean="0"/>
-              <a:t>’ value</a:t>
-            </a:r>
-            <a:endParaRPr lang="en-IN" dirty="0"/>
+              <a:t>h’ value</a:t>
+            </a:r>
           </a:p>
         </p:txBody>
       </p:sp>
@@ -7548,13 +7537,6 @@
   <p:clrMapOvr>
     <a:masterClrMapping/>
   </p:clrMapOvr>
-  <p:timing>
-    <p:tnLst>
-      <p:par>
-        <p:cTn id="1" dur="indefinite" restart="never" nodeType="tmRoot"/>
-      </p:par>
-    </p:tnLst>
-  </p:timing>
 </p:sld>
 </file>
 
@@ -7610,53 +7592,49 @@
           <a:lstStyle/>
           <a:p>
             <a:r>
-              <a:rPr lang="en-IN" dirty="0" smtClean="0"/>
+              <a:rPr lang="en-IN" dirty="0"/>
               <a:t>2c) S = { NODE} = {A}</a:t>
             </a:r>
           </a:p>
           <a:p>
             <a:r>
-              <a:rPr lang="en-IN" dirty="0" smtClean="0"/>
+              <a:rPr lang="en-IN" dirty="0"/>
               <a:t>2c(i) CURRENT= A</a:t>
             </a:r>
           </a:p>
           <a:p>
             <a:r>
-              <a:rPr lang="en-IN" dirty="0" smtClean="0"/>
+              <a:rPr lang="en-IN" dirty="0"/>
               <a:t>S= { }</a:t>
             </a:r>
           </a:p>
           <a:p>
             <a:r>
               <a:rPr lang="en-IN" dirty="0"/>
-              <a:t>h</a:t>
-            </a:r>
-            <a:r>
-              <a:rPr lang="en-IN" dirty="0" smtClean="0"/>
-              <a:t>’(AB)= 6</a:t>
-            </a:r>
-          </a:p>
-          <a:p>
-            <a:r>
-              <a:rPr lang="en-IN" dirty="0" smtClean="0"/>
+              <a:t>h’(AB)= 6</a:t>
+            </a:r>
+          </a:p>
+          <a:p>
+            <a:r>
+              <a:rPr lang="en-IN" dirty="0"/>
               <a:t>h’(CAB)=9</a:t>
             </a:r>
           </a:p>
           <a:p>
             <a:r>
-              <a:rPr lang="en-IN" dirty="0" smtClean="0"/>
+              <a:rPr lang="en-IN" dirty="0"/>
               <a:t>h’(CURRENT)= 6</a:t>
             </a:r>
           </a:p>
           <a:p>
             <a:r>
-              <a:rPr lang="en-IN" dirty="0" smtClean="0"/>
+              <a:rPr lang="en-IN" dirty="0"/>
               <a:t>2c(ii) BEST-PATH= AB</a:t>
             </a:r>
           </a:p>
           <a:p>
             <a:r>
-              <a:rPr lang="en-IN" dirty="0" smtClean="0"/>
+              <a:rPr lang="en-IN" dirty="0"/>
               <a:t>2c(iii) ---  2c(iv) ---- 2c(v) ------</a:t>
             </a:r>
           </a:p>
@@ -7675,13 +7653,6 @@
   <p:clrMapOvr>
     <a:masterClrMapping/>
   </p:clrMapOvr>
-  <p:timing>
-    <p:tnLst>
-      <p:par>
-        <p:cTn id="1" dur="indefinite" restart="never" nodeType="tmRoot"/>
-      </p:par>
-    </p:tnLst>
-  </p:timing>
 </p:sld>
 </file>
 
@@ -7737,90 +7708,64 @@
           <a:lstStyle/>
           <a:p>
             <a:r>
-              <a:rPr lang="en-IN" dirty="0" smtClean="0"/>
+              <a:rPr lang="en-IN" dirty="0"/>
               <a:t>`2(a) NODE= B</a:t>
             </a:r>
           </a:p>
           <a:p>
             <a:r>
-              <a:rPr lang="en-IN" dirty="0" smtClean="0"/>
+              <a:rPr lang="en-IN" dirty="0"/>
               <a:t>(b) Successors of B = { E,F}</a:t>
             </a:r>
           </a:p>
           <a:p>
             <a:r>
-              <a:rPr lang="en-IN" dirty="0" smtClean="0"/>
+              <a:rPr lang="en-IN" dirty="0"/>
               <a:t>For Successor = E</a:t>
             </a:r>
           </a:p>
           <a:p>
             <a:r>
-              <a:rPr lang="en-IN" dirty="0" smtClean="0"/>
+              <a:rPr lang="en-IN" dirty="0"/>
               <a:t>2b(i) GRAPH= {A,B,C,D,E}</a:t>
             </a:r>
           </a:p>
           <a:p>
             <a:r>
-              <a:rPr lang="en-IN" dirty="0" smtClean="0"/>
-              <a:t>(ii) Label E as </a:t>
-            </a:r>
-            <a:r>
-              <a:rPr lang="en-IN" dirty="0" smtClean="0"/>
-              <a:t>solved, h’(E) = 0</a:t>
-            </a:r>
-            <a:endParaRPr lang="en-IN" dirty="0" smtClean="0"/>
-          </a:p>
-          <a:p>
-            <a:r>
-              <a:rPr lang="en-IN" dirty="0" smtClean="0"/>
+              <a:rPr lang="en-IN" dirty="0"/>
+              <a:t>(ii) Label E as solved, h’(E) = 0</a:t>
+            </a:r>
+          </a:p>
+          <a:p>
+            <a:r>
+              <a:rPr lang="en-IN" dirty="0"/>
               <a:t>(iii) ---</a:t>
             </a:r>
           </a:p>
           <a:p>
             <a:r>
-              <a:rPr lang="en-IN" dirty="0" smtClean="0"/>
+              <a:rPr lang="en-IN" dirty="0"/>
               <a:t>For Successor = {F}</a:t>
             </a:r>
           </a:p>
           <a:p>
             <a:r>
-              <a:rPr lang="en-IN" dirty="0" smtClean="0"/>
-              <a:t>2b(i)</a:t>
-            </a:r>
-            <a:r>
               <a:rPr lang="en-IN" dirty="0"/>
-              <a:t> GRAPH= {</a:t>
-            </a:r>
-            <a:r>
-              <a:rPr lang="en-IN" dirty="0" smtClean="0"/>
-              <a:t>A,B,C,D,E,F}</a:t>
+              <a:t>2b(i) GRAPH= {A,B,C,D,E,F}</a:t>
             </a:r>
           </a:p>
           <a:p>
             <a:r>
               <a:rPr lang="en-IN" dirty="0"/>
-              <a:t>(ii) Label </a:t>
-            </a:r>
-            <a:r>
-              <a:rPr lang="en-IN" dirty="0" smtClean="0"/>
-              <a:t>F </a:t>
-            </a:r>
+              <a:t>(ii) Label F as solved, h’(F) = 0</a:t>
+            </a:r>
+          </a:p>
+          <a:p>
+            <a:endParaRPr lang="en-IN" dirty="0"/>
+          </a:p>
+          <a:p>
             <a:r>
               <a:rPr lang="en-IN" dirty="0"/>
-              <a:t>as </a:t>
-            </a:r>
-            <a:r>
-              <a:rPr lang="en-IN" dirty="0" smtClean="0"/>
-              <a:t>solved, h’(F) = 0</a:t>
-            </a:r>
-            <a:endParaRPr lang="en-IN" dirty="0"/>
-          </a:p>
-          <a:p>
-            <a:endParaRPr lang="en-IN" dirty="0"/>
-          </a:p>
-          <a:p>
-            <a:r>
-              <a:rPr lang="en-IN" dirty="0" smtClean="0"/>
               <a:t> </a:t>
             </a:r>
           </a:p>
@@ -7839,13 +7784,6 @@
   <p:clrMapOvr>
     <a:masterClrMapping/>
   </p:clrMapOvr>
-  <p:timing>
-    <p:tnLst>
-      <p:par>
-        <p:cTn id="1" dur="indefinite" restart="never" nodeType="tmRoot"/>
-      </p:par>
-    </p:tnLst>
-  </p:timing>
 </p:sld>
 </file>
 
@@ -7901,84 +7839,80 @@
           <a:lstStyle/>
           <a:p>
             <a:r>
-              <a:rPr lang="en-IN" dirty="0" smtClean="0"/>
+              <a:rPr lang="en-IN" dirty="0"/>
               <a:t>2c)  S = {B}</a:t>
             </a:r>
           </a:p>
           <a:p>
             <a:r>
-              <a:rPr lang="en-IN" dirty="0" smtClean="0"/>
+              <a:rPr lang="en-IN" dirty="0"/>
               <a:t>2c(i) CURRENT= B</a:t>
             </a:r>
           </a:p>
           <a:p>
             <a:r>
-              <a:rPr lang="en-IN" dirty="0" smtClean="0"/>
+              <a:rPr lang="en-IN" dirty="0"/>
               <a:t>S = {  }</a:t>
             </a:r>
           </a:p>
           <a:p>
             <a:r>
-              <a:rPr lang="en-IN" dirty="0" smtClean="0"/>
+              <a:rPr lang="en-IN" dirty="0"/>
               <a:t>h’(BEF)=17</a:t>
             </a:r>
           </a:p>
           <a:p>
             <a:r>
-              <a:rPr lang="en-IN" dirty="0" smtClean="0"/>
+              <a:rPr lang="en-IN" dirty="0"/>
               <a:t>BEST_PATH= EBF</a:t>
             </a:r>
           </a:p>
           <a:p>
             <a:r>
-              <a:rPr lang="en-IN" dirty="0" smtClean="0"/>
+              <a:rPr lang="en-IN" dirty="0"/>
               <a:t>(iv) Mark B as solved</a:t>
             </a:r>
           </a:p>
           <a:p>
             <a:r>
-              <a:rPr lang="en-IN" dirty="0" smtClean="0"/>
+              <a:rPr lang="en-IN" dirty="0"/>
               <a:t>V) S= {A}</a:t>
             </a:r>
           </a:p>
           <a:p>
             <a:r>
-              <a:rPr lang="en-IN" dirty="0" smtClean="0"/>
+              <a:rPr lang="en-IN" dirty="0"/>
               <a:t>2 c) S= {B,E,F}</a:t>
             </a:r>
           </a:p>
           <a:p>
             <a:r>
-              <a:rPr lang="en-IN" dirty="0" smtClean="0"/>
+              <a:rPr lang="en-IN" dirty="0"/>
               <a:t>(i) CURRENT = A</a:t>
             </a:r>
           </a:p>
           <a:p>
             <a:r>
-              <a:rPr lang="en-IN" dirty="0" smtClean="0"/>
+              <a:rPr lang="en-IN" dirty="0"/>
               <a:t>(ii) h’(AB) = 18</a:t>
             </a:r>
           </a:p>
           <a:p>
             <a:r>
-              <a:rPr lang="en-IN" dirty="0" smtClean="0"/>
+              <a:rPr lang="en-IN" dirty="0"/>
               <a:t>BEST_PATH=AB</a:t>
             </a:r>
           </a:p>
           <a:p>
             <a:r>
-              <a:rPr lang="en-IN" dirty="0" smtClean="0"/>
+              <a:rPr lang="en-IN" dirty="0"/>
               <a:t>Mark A as solved </a:t>
             </a:r>
           </a:p>
           <a:p>
             <a:r>
               <a:rPr lang="en-IN" dirty="0"/>
-              <a:t>h</a:t>
-            </a:r>
-            <a:r>
-              <a:rPr lang="en-IN" dirty="0" smtClean="0"/>
-              <a:t>’(A)=0</a:t>
+              <a:t>h’(A)=0</a:t>
             </a:r>
           </a:p>
           <a:p>
@@ -7996,13 +7930,6 @@
   <p:clrMapOvr>
     <a:masterClrMapping/>
   </p:clrMapOvr>
-  <p:timing>
-    <p:tnLst>
-      <p:par>
-        <p:cTn id="1" dur="indefinite" restart="never" nodeType="tmRoot"/>
-      </p:par>
-    </p:tnLst>
-  </p:timing>
 </p:sld>
 </file>
 
@@ -8058,31 +7985,31 @@
           <a:lstStyle/>
           <a:p>
             <a:r>
-              <a:rPr lang="en-IN" dirty="0" smtClean="0"/>
+              <a:rPr lang="en-IN" dirty="0"/>
               <a:t>2c(ii)</a:t>
             </a:r>
           </a:p>
           <a:p>
             <a:r>
-              <a:rPr lang="en-IN" dirty="0" smtClean="0"/>
+              <a:rPr lang="en-IN" dirty="0"/>
               <a:t>h’( AB) = 18</a:t>
             </a:r>
           </a:p>
           <a:p>
             <a:r>
-              <a:rPr lang="en-IN" dirty="0" smtClean="0"/>
+              <a:rPr lang="en-IN" dirty="0"/>
               <a:t>BEST_PATH= AB</a:t>
             </a:r>
           </a:p>
           <a:p>
             <a:r>
-              <a:rPr lang="en-IN" dirty="0" smtClean="0"/>
+              <a:rPr lang="en-IN" dirty="0"/>
               <a:t>LABEL CURRENT= A as solved</a:t>
             </a:r>
           </a:p>
           <a:p>
             <a:r>
-              <a:rPr lang="en-IN" dirty="0" smtClean="0"/>
+              <a:rPr lang="en-IN" dirty="0"/>
               <a:t>h’(A) =0</a:t>
             </a:r>
           </a:p>
@@ -8091,14 +8018,14 @@
               <a:buNone/>
             </a:pPr>
             <a:r>
-              <a:rPr lang="en-IN" dirty="0" smtClean="0"/>
+              <a:rPr lang="en-IN" dirty="0"/>
               <a:t>INIT which is A has been </a:t>
             </a:r>
             <a:r>
-              <a:rPr lang="en-IN" smtClean="0"/>
+              <a:rPr lang="en-IN"/>
               <a:t>labelled solved.</a:t>
             </a:r>
-            <a:endParaRPr lang="en-IN" dirty="0" smtClean="0"/>
+            <a:endParaRPr lang="en-IN" dirty="0"/>
           </a:p>
           <a:p>
             <a:endParaRPr lang="en-IN" dirty="0"/>
@@ -8152,13 +8079,8 @@
           <a:p>
             <a:r>
               <a:rPr lang="en-IN" dirty="0"/>
-              <a:t>AO* </a:t>
-            </a:r>
-            <a:r>
-              <a:rPr lang="en-IN" dirty="0" smtClean="0"/>
-              <a:t>Algorithm Steps</a:t>
-            </a:r>
-            <a:endParaRPr lang="en-IN" dirty="0"/>
+              <a:t>AO* Algorithm Steps</a:t>
+            </a:r>
           </a:p>
         </p:txBody>
       </p:sp>
@@ -8187,15 +8109,7 @@
           <a:p>
             <a:r>
               <a:rPr lang="en-IN" dirty="0"/>
-              <a:t>1. Let GRAPH consists of only the node representing the initial state. Call this node </a:t>
-            </a:r>
-            <a:r>
-              <a:rPr lang="en-IN" dirty="0" smtClean="0"/>
-              <a:t>INIT</a:t>
-            </a:r>
-            <a:r>
-              <a:rPr lang="en-IN" dirty="0"/>
-              <a:t>. Compute h' (INIT).</a:t>
+              <a:t>1. Let GRAPH consists of only the node representing the initial state. Call this node INIT. Compute h' (INIT).</a:t>
             </a:r>
           </a:p>
           <a:p>
@@ -8209,31 +8123,19 @@
               <a:buNone/>
             </a:pPr>
             <a:r>
-              <a:rPr lang="en-IN" dirty="0" smtClean="0"/>
-              <a:t>    following </a:t>
-            </a:r>
-            <a:r>
               <a:rPr lang="en-IN" dirty="0"/>
-              <a:t>procedure: </a:t>
+              <a:t>    following procedure: </a:t>
             </a:r>
           </a:p>
           <a:p>
             <a:pPr lvl="0"/>
             <a:r>
-              <a:rPr lang="en-IN" smtClean="0"/>
+              <a:rPr lang="en-IN"/>
               <a:t>(a). Trace </a:t>
             </a:r>
             <a:r>
               <a:rPr lang="en-IN" dirty="0"/>
-              <a:t>the labelled arcs from INIT and select for expansion, one of the  </a:t>
-            </a:r>
-            <a:r>
-              <a:rPr lang="en-IN" dirty="0" smtClean="0"/>
-              <a:t>unexpanded </a:t>
-            </a:r>
-            <a:r>
-              <a:rPr lang="en-IN" dirty="0"/>
-              <a:t>nodes that occurs in this path. Call the selected node as  NODE.</a:t>
+              <a:t>the labelled arcs from INIT and select for expansion, one of the  unexpanded nodes that occurs in this path. Call the selected node as  NODE.</a:t>
             </a:r>
           </a:p>
           <a:p>
@@ -8254,13 +8156,6 @@
   <p:clrMapOvr>
     <a:masterClrMapping/>
   </p:clrMapOvr>
-  <p:timing>
-    <p:tnLst>
-      <p:par>
-        <p:cTn id="1" dur="indefinite" restart="never" nodeType="tmRoot"/>
-      </p:par>
-    </p:tnLst>
-  </p:timing>
 </p:sld>
 </file>
 
@@ -8298,21 +8193,16 @@
           <a:p>
             <a:r>
               <a:rPr lang="en-IN" dirty="0"/>
-              <a:t>AO* Algorithm </a:t>
-            </a:r>
-            <a:r>
-              <a:rPr lang="en-IN" dirty="0" smtClean="0"/>
-              <a:t>Steps </a:t>
-            </a:r>
-            <a:r>
-              <a:rPr lang="en-IN" dirty="0" err="1" smtClean="0"/>
+              <a:t>AO* Algorithm Steps </a:t>
+            </a:r>
+            <a:r>
+              <a:rPr lang="en-IN" dirty="0" err="1"/>
               <a:t>Contd</a:t>
             </a:r>
             <a:r>
-              <a:rPr lang="en-IN" dirty="0" smtClean="0"/>
+              <a:rPr lang="en-IN" dirty="0"/>
               <a:t>…</a:t>
             </a:r>
-            <a:endParaRPr lang="en-IN" dirty="0"/>
           </a:p>
         </p:txBody>
       </p:sp>
@@ -8335,39 +8225,7 @@
           <a:p>
             <a:r>
               <a:rPr lang="en-IN" dirty="0"/>
-              <a:t> </a:t>
-            </a:r>
-            <a:r>
-              <a:rPr lang="en-IN" dirty="0" smtClean="0"/>
-              <a:t>b </a:t>
-            </a:r>
-            <a:r>
-              <a:rPr lang="en-IN" dirty="0"/>
-              <a:t>) Generate the successors of </a:t>
-            </a:r>
-            <a:r>
-              <a:rPr lang="en-IN" dirty="0" smtClean="0"/>
-              <a:t>NODE. </a:t>
-            </a:r>
-            <a:r>
-              <a:rPr lang="en-IN" dirty="0"/>
-              <a:t>If there are no successors then assign FUTILITY </a:t>
-            </a:r>
-            <a:r>
-              <a:rPr lang="en-IN" dirty="0" smtClean="0"/>
-              <a:t>as h' </a:t>
-            </a:r>
-            <a:r>
-              <a:rPr lang="en-IN" dirty="0"/>
-              <a:t>(NODE). This means that NODE is not solvable. If there are successors then for </a:t>
-            </a:r>
-            <a:r>
-              <a:rPr lang="en-IN" dirty="0" smtClean="0"/>
-              <a:t>each one </a:t>
-            </a:r>
-            <a:r>
-              <a:rPr lang="en-IN" dirty="0"/>
-              <a:t>called SUCCESSOR, that is not also an ancestor of NODE do the following:</a:t>
+              <a:t> b ) Generate the successors of NODE. If there are no successors then assign FUTILITY as h' (NODE). This means that NODE is not solvable. If there are successors then for each one called SUCCESSOR, that is not also an ancestor of NODE do the following:</a:t>
             </a:r>
           </a:p>
           <a:p>
@@ -8385,15 +8243,7 @@
           <a:p>
             <a:r>
               <a:rPr lang="en-IN" dirty="0"/>
-              <a:t>iii) If successor is not a terminal node, compute </a:t>
-            </a:r>
-            <a:r>
-              <a:rPr lang="en-IN" dirty="0" smtClean="0"/>
-              <a:t>its h</a:t>
-            </a:r>
-            <a:r>
-              <a:rPr lang="en-IN" dirty="0"/>
-              <a:t>' value.</a:t>
+              <a:t>iii) If successor is not a terminal node, compute its h' value.</a:t>
             </a:r>
           </a:p>
           <a:p>
@@ -8411,13 +8261,6 @@
   <p:clrMapOvr>
     <a:masterClrMapping/>
   </p:clrMapOvr>
-  <p:timing>
-    <p:tnLst>
-      <p:par>
-        <p:cTn id="1" dur="indefinite" restart="never" nodeType="tmRoot"/>
-      </p:par>
-    </p:tnLst>
-  </p:timing>
 </p:sld>
 </file>
 
@@ -8489,16 +8332,11 @@
               <a:rPr lang="en-IN" dirty="0"/>
               <a:t>(c) Propagate the newly discovered information up the graph by doing the following. Let S be a set of nodes that have been labelled SOLVED or whose h’ values have been just changed and hence need to propagate the new values back to their parents.  </a:t>
             </a:r>
-            <a:endParaRPr lang="en-IN" dirty="0" smtClean="0"/>
-          </a:p>
-          <a:p>
-            <a:r>
-              <a:rPr lang="en-IN" dirty="0" smtClean="0"/>
-              <a:t>Initialize </a:t>
-            </a:r>
+          </a:p>
+          <a:p>
             <a:r>
               <a:rPr lang="en-IN" dirty="0"/>
-              <a:t>S to NODE. Until S is empty, repeat the following procedure:</a:t>
+              <a:t>Initialize S to NODE. Until S is empty, repeat the following procedure:</a:t>
             </a:r>
           </a:p>
           <a:p>
@@ -8522,13 +8360,6 @@
   <p:clrMapOvr>
     <a:masterClrMapping/>
   </p:clrMapOvr>
-  <p:timing>
-    <p:tnLst>
-      <p:par>
-        <p:cTn id="1" dur="indefinite" restart="never" nodeType="tmRoot"/>
-      </p:par>
-    </p:tnLst>
-  </p:timing>
 </p:sld>
 </file>
 
@@ -8642,13 +8473,6 @@
   <p:clrMapOvr>
     <a:masterClrMapping/>
   </p:clrMapOvr>
-  <p:timing>
-    <p:tnLst>
-      <p:par>
-        <p:cTn id="1" dur="indefinite" restart="never" nodeType="tmRoot"/>
-      </p:par>
-    </p:tnLst>
-  </p:timing>
 </p:sld>
 </file>
 
@@ -8722,15 +8546,7 @@
           <a:p>
             <a:r>
               <a:rPr lang="en-IN" dirty="0"/>
-              <a:t>(v) If CURRENT has been marked SOLVED or its h ' has just changed, its new </a:t>
-            </a:r>
-            <a:r>
-              <a:rPr lang="en-IN" dirty="0" smtClean="0"/>
-              <a:t>status must </a:t>
-            </a:r>
-            <a:r>
-              <a:rPr lang="en-IN" dirty="0"/>
-              <a:t>be propagated backwards up the graph . Hence, add all the ancestors of CURRENT to S.</a:t>
+              <a:t>(v) If CURRENT has been marked SOLVED or its h ' has just changed, its new status must be propagated backwards up the graph . Hence, add all the ancestors of CURRENT to S.</a:t>
             </a:r>
           </a:p>
         </p:txBody>
@@ -8745,13 +8561,6 @@
   <p:clrMapOvr>
     <a:masterClrMapping/>
   </p:clrMapOvr>
-  <p:timing>
-    <p:tnLst>
-      <p:par>
-        <p:cTn id="1" dur="indefinite" restart="never" nodeType="tmRoot"/>
-      </p:par>
-    </p:tnLst>
-  </p:timing>
 </p:sld>
 </file>
 
@@ -8794,7 +8603,7 @@
           <a:p>
             <a:pPr eaLnBrk="1" hangingPunct="1"/>
             <a:r>
-              <a:rPr lang="en-US" dirty="0" smtClean="0">
+              <a:rPr lang="en-US" dirty="0">
                 <a:latin typeface="Comic Sans MS" pitchFamily="66" charset="0"/>
               </a:rPr>
               <a:t>AND-OR graph examples</a:t>
@@ -9002,7 +8811,7 @@
                     </a:spcAft>
                   </a:pPr>
                   <a:r>
-                    <a:rPr lang="en-US" smtClean="0">
+                    <a:rPr lang="en-US">
                       <a:solidFill>
                         <a:srgbClr val="000000"/>
                       </a:solidFill>
@@ -9164,7 +8973,7 @@
                     </a:spcAft>
                   </a:pPr>
                   <a:r>
-                    <a:rPr lang="en-US" smtClean="0">
+                    <a:rPr lang="en-US">
                       <a:solidFill>
                         <a:srgbClr val="000000"/>
                       </a:solidFill>
@@ -9326,7 +9135,7 @@
                     </a:spcAft>
                   </a:pPr>
                   <a:r>
-                    <a:rPr lang="en-US" smtClean="0">
+                    <a:rPr lang="en-US">
                       <a:solidFill>
                         <a:srgbClr val="000000"/>
                       </a:solidFill>
@@ -9488,7 +9297,7 @@
                     </a:spcAft>
                   </a:pPr>
                   <a:r>
-                    <a:rPr lang="en-US" smtClean="0">
+                    <a:rPr lang="en-US">
                       <a:solidFill>
                         <a:srgbClr val="000000"/>
                       </a:solidFill>
@@ -9553,7 +9362,7 @@
                       <a:spcPct val="0"/>
                     </a:spcAft>
                   </a:pPr>
-                  <a:endParaRPr lang="en-IN" smtClean="0">
+                  <a:endParaRPr lang="en-IN">
                     <a:solidFill>
                       <a:srgbClr val="000000"/>
                     </a:solidFill>
@@ -9616,7 +9425,7 @@
                       <a:spcPct val="0"/>
                     </a:spcAft>
                   </a:pPr>
-                  <a:endParaRPr lang="en-IN" smtClean="0">
+                  <a:endParaRPr lang="en-IN">
                     <a:solidFill>
                       <a:srgbClr val="000000"/>
                     </a:solidFill>
@@ -9679,7 +9488,7 @@
                       <a:spcPct val="0"/>
                     </a:spcAft>
                   </a:pPr>
-                  <a:endParaRPr lang="en-IN" smtClean="0">
+                  <a:endParaRPr lang="en-IN">
                     <a:solidFill>
                       <a:srgbClr val="000000"/>
                     </a:solidFill>
@@ -9849,7 +9658,7 @@
                     </a:spcAft>
                   </a:pPr>
                   <a:r>
-                    <a:rPr lang="en-US" sz="1000" smtClean="0">
+                    <a:rPr lang="en-US" sz="1000">
                       <a:solidFill>
                         <a:srgbClr val="000000"/>
                       </a:solidFill>
@@ -10021,7 +9830,7 @@
                     </a:spcAft>
                   </a:pPr>
                   <a:r>
-                    <a:rPr lang="en-US" smtClean="0">
+                    <a:rPr lang="en-US">
                       <a:solidFill>
                         <a:srgbClr val="000000"/>
                       </a:solidFill>
@@ -10193,7 +10002,7 @@
                     </a:spcAft>
                   </a:pPr>
                   <a:r>
-                    <a:rPr lang="en-US" smtClean="0">
+                    <a:rPr lang="en-US">
                       <a:solidFill>
                         <a:srgbClr val="000000"/>
                       </a:solidFill>
@@ -10302,7 +10111,7 @@
                     <a:spcPct val="0"/>
                   </a:spcAft>
                 </a:pPr>
-                <a:endParaRPr lang="en-IN" smtClean="0">
+                <a:endParaRPr lang="en-IN">
                   <a:solidFill>
                     <a:srgbClr val="000000"/>
                   </a:solidFill>
@@ -10463,7 +10272,7 @@
                 </a:spcAft>
               </a:pPr>
               <a:r>
-                <a:rPr lang="en-US" dirty="0" smtClean="0">
+                <a:rPr lang="en-US" dirty="0">
                   <a:solidFill>
                     <a:srgbClr val="FF0000"/>
                   </a:solidFill>
@@ -10625,7 +10434,7 @@
                 </a:spcAft>
               </a:pPr>
               <a:r>
-                <a:rPr lang="en-US" dirty="0" smtClean="0">
+                <a:rPr lang="en-US" dirty="0">
                   <a:solidFill>
                     <a:srgbClr val="FF0000"/>
                   </a:solidFill>
@@ -10787,7 +10596,7 @@
                 </a:spcAft>
               </a:pPr>
               <a:r>
-                <a:rPr lang="en-US" smtClean="0">
+                <a:rPr lang="en-US">
                   <a:solidFill>
                     <a:srgbClr val="000000"/>
                   </a:solidFill>
@@ -10949,7 +10758,7 @@
                 </a:spcAft>
               </a:pPr>
               <a:r>
-                <a:rPr lang="en-US" smtClean="0">
+                <a:rPr lang="en-US">
                   <a:solidFill>
                     <a:srgbClr val="000000"/>
                   </a:solidFill>
@@ -11014,7 +10823,7 @@
                   <a:spcPct val="0"/>
                 </a:spcAft>
               </a:pPr>
-              <a:endParaRPr lang="en-IN" smtClean="0">
+              <a:endParaRPr lang="en-IN">
                 <a:solidFill>
                   <a:srgbClr val="000000"/>
                 </a:solidFill>
@@ -11077,7 +10886,7 @@
                   <a:spcPct val="0"/>
                 </a:spcAft>
               </a:pPr>
-              <a:endParaRPr lang="en-IN" smtClean="0">
+              <a:endParaRPr lang="en-IN">
                 <a:solidFill>
                   <a:srgbClr val="000000"/>
                 </a:solidFill>
@@ -11140,7 +10949,7 @@
                   <a:spcPct val="0"/>
                 </a:spcAft>
               </a:pPr>
-              <a:endParaRPr lang="en-IN" smtClean="0">
+              <a:endParaRPr lang="en-IN">
                 <a:solidFill>
                   <a:srgbClr val="000000"/>
                 </a:solidFill>
@@ -11300,7 +11109,7 @@
                 </a:spcAft>
               </a:pPr>
               <a:r>
-                <a:rPr lang="en-US" dirty="0" smtClean="0">
+                <a:rPr lang="en-US" dirty="0">
                   <a:solidFill>
                     <a:srgbClr val="FF0000"/>
                   </a:solidFill>
@@ -11462,7 +11271,7 @@
                 </a:spcAft>
               </a:pPr>
               <a:r>
-                <a:rPr lang="en-US" smtClean="0">
+                <a:rPr lang="en-US">
                   <a:solidFill>
                     <a:srgbClr val="000000"/>
                   </a:solidFill>
@@ -11624,7 +11433,7 @@
                 </a:spcAft>
               </a:pPr>
               <a:r>
-                <a:rPr lang="en-US" dirty="0" smtClean="0">
+                <a:rPr lang="en-US" dirty="0">
                   <a:solidFill>
                     <a:srgbClr val="FF0000"/>
                   </a:solidFill>
@@ -11786,7 +11595,7 @@
                 </a:spcAft>
               </a:pPr>
               <a:r>
-                <a:rPr lang="en-US" smtClean="0">
+                <a:rPr lang="en-US">
                   <a:solidFill>
                     <a:srgbClr val="000000"/>
                   </a:solidFill>
@@ -11948,7 +11757,7 @@
                 </a:spcAft>
               </a:pPr>
               <a:r>
-                <a:rPr lang="en-US" smtClean="0">
+                <a:rPr lang="en-US">
                   <a:solidFill>
                     <a:srgbClr val="000000"/>
                   </a:solidFill>
@@ -12110,7 +11919,7 @@
                 </a:spcAft>
               </a:pPr>
               <a:r>
-                <a:rPr lang="en-US" smtClean="0">
+                <a:rPr lang="en-US">
                   <a:solidFill>
                     <a:srgbClr val="000000"/>
                   </a:solidFill>
@@ -12175,7 +11984,7 @@
                   <a:spcPct val="0"/>
                 </a:spcAft>
               </a:pPr>
-              <a:endParaRPr lang="en-IN" smtClean="0">
+              <a:endParaRPr lang="en-IN">
                 <a:solidFill>
                   <a:srgbClr val="000000"/>
                 </a:solidFill>
@@ -12238,7 +12047,7 @@
                   <a:spcPct val="0"/>
                 </a:spcAft>
               </a:pPr>
-              <a:endParaRPr lang="en-IN" smtClean="0">
+              <a:endParaRPr lang="en-IN">
                 <a:solidFill>
                   <a:srgbClr val="000000"/>
                 </a:solidFill>
@@ -12301,7 +12110,7 @@
                   <a:spcPct val="0"/>
                 </a:spcAft>
               </a:pPr>
-              <a:endParaRPr lang="en-IN" smtClean="0">
+              <a:endParaRPr lang="en-IN">
                 <a:solidFill>
                   <a:srgbClr val="000000"/>
                 </a:solidFill>
@@ -12364,7 +12173,7 @@
                   <a:spcPct val="0"/>
                 </a:spcAft>
               </a:pPr>
-              <a:endParaRPr lang="en-IN" smtClean="0">
+              <a:endParaRPr lang="en-IN">
                 <a:solidFill>
                   <a:srgbClr val="000000"/>
                 </a:solidFill>
@@ -12427,7 +12236,7 @@
                   <a:spcPct val="0"/>
                 </a:spcAft>
               </a:pPr>
-              <a:endParaRPr lang="en-IN" smtClean="0">
+              <a:endParaRPr lang="en-IN">
                 <a:solidFill>
                   <a:srgbClr val="000000"/>
                 </a:solidFill>
@@ -12490,7 +12299,7 @@
                   <a:spcPct val="0"/>
                 </a:spcAft>
               </a:pPr>
-              <a:endParaRPr lang="en-IN" smtClean="0">
+              <a:endParaRPr lang="en-IN">
                 <a:solidFill>
                   <a:srgbClr val="000000"/>
                 </a:solidFill>
@@ -12596,7 +12405,7 @@
                   <a:spcPct val="0"/>
                 </a:spcAft>
               </a:pPr>
-              <a:endParaRPr lang="en-IN" smtClean="0">
+              <a:endParaRPr lang="en-IN">
                 <a:solidFill>
                   <a:srgbClr val="000000"/>
                 </a:solidFill>
@@ -12702,7 +12511,7 @@
                   <a:spcPct val="0"/>
                 </a:spcAft>
               </a:pPr>
-              <a:endParaRPr lang="en-IN" smtClean="0">
+              <a:endParaRPr lang="en-IN">
                 <a:solidFill>
                   <a:srgbClr val="000000"/>
                 </a:solidFill>
@@ -12797,7 +12606,7 @@
                   <a:spcPct val="0"/>
                 </a:spcAft>
               </a:pPr>
-              <a:endParaRPr lang="en-IN" smtClean="0">
+              <a:endParaRPr lang="en-IN">
                 <a:solidFill>
                   <a:srgbClr val="000000"/>
                 </a:solidFill>
@@ -12903,7 +12712,7 @@
                   <a:spcPct val="0"/>
                 </a:spcAft>
               </a:pPr>
-              <a:endParaRPr lang="en-IN" smtClean="0">
+              <a:endParaRPr lang="en-IN">
                 <a:solidFill>
                   <a:srgbClr val="000000"/>
                 </a:solidFill>
@@ -13073,7 +12882,7 @@
                 </a:spcAft>
               </a:pPr>
               <a:r>
-                <a:rPr lang="en-US" smtClean="0">
+                <a:rPr lang="en-US">
                   <a:solidFill>
                     <a:srgbClr val="000000"/>
                   </a:solidFill>
@@ -13245,7 +13054,7 @@
                 </a:spcAft>
               </a:pPr>
               <a:r>
-                <a:rPr lang="en-US" smtClean="0">
+                <a:rPr lang="en-US">
                   <a:solidFill>
                     <a:srgbClr val="000000"/>
                   </a:solidFill>
@@ -13417,7 +13226,7 @@
                 </a:spcAft>
               </a:pPr>
               <a:r>
-                <a:rPr lang="en-US" smtClean="0">
+                <a:rPr lang="en-US">
                   <a:solidFill>
                     <a:srgbClr val="000000"/>
                   </a:solidFill>
@@ -13589,7 +13398,7 @@
                 </a:spcAft>
               </a:pPr>
               <a:r>
-                <a:rPr lang="en-US" smtClean="0">
+                <a:rPr lang="en-US">
                   <a:solidFill>
                     <a:srgbClr val="000000"/>
                   </a:solidFill>
@@ -13761,7 +13570,7 @@
                 </a:spcAft>
               </a:pPr>
               <a:r>
-                <a:rPr lang="en-US" smtClean="0">
+                <a:rPr lang="en-US">
                   <a:solidFill>
                     <a:srgbClr val="000000"/>
                   </a:solidFill>
@@ -13933,7 +13742,7 @@
                 </a:spcAft>
               </a:pPr>
               <a:r>
-                <a:rPr lang="en-US" smtClean="0">
+                <a:rPr lang="en-US">
                   <a:solidFill>
                     <a:srgbClr val="000000"/>
                   </a:solidFill>
@@ -14105,7 +13914,7 @@
                 </a:spcAft>
               </a:pPr>
               <a:r>
-                <a:rPr lang="en-US" smtClean="0">
+                <a:rPr lang="en-US">
                   <a:solidFill>
                     <a:srgbClr val="000000"/>
                   </a:solidFill>
@@ -14277,7 +14086,7 @@
                 </a:spcAft>
               </a:pPr>
               <a:r>
-                <a:rPr lang="en-US" smtClean="0">
+                <a:rPr lang="en-US">
                   <a:solidFill>
                     <a:srgbClr val="000000"/>
                   </a:solidFill>
@@ -14449,7 +14258,7 @@
                 </a:spcAft>
               </a:pPr>
               <a:r>
-                <a:rPr lang="en-US" smtClean="0">
+                <a:rPr lang="en-US">
                   <a:solidFill>
                     <a:srgbClr val="000000"/>
                   </a:solidFill>
@@ -14621,7 +14430,7 @@
                 </a:spcAft>
               </a:pPr>
               <a:r>
-                <a:rPr lang="en-US" smtClean="0">
+                <a:rPr lang="en-US">
                   <a:solidFill>
                     <a:srgbClr val="000000"/>
                   </a:solidFill>
@@ -14793,7 +14602,7 @@
                 </a:spcAft>
               </a:pPr>
               <a:r>
-                <a:rPr lang="en-US" smtClean="0">
+                <a:rPr lang="en-US">
                   <a:solidFill>
                     <a:srgbClr val="000000"/>
                   </a:solidFill>
@@ -14814,13 +14623,6 @@
   <p:clrMapOvr>
     <a:masterClrMapping/>
   </p:clrMapOvr>
-  <p:timing>
-    <p:tnLst>
-      <p:par>
-        <p:cTn id="1" dur="indefinite" restart="never" nodeType="tmRoot"/>
-      </p:par>
-    </p:tnLst>
-  </p:timing>
 </p:sld>
 </file>
 
@@ -14876,34 +14678,26 @@
           <a:lstStyle/>
           <a:p>
             <a:r>
-              <a:rPr lang="en-IN" dirty="0" smtClean="0"/>
+              <a:rPr lang="en-IN" dirty="0"/>
               <a:t>Graph = {  A}</a:t>
             </a:r>
           </a:p>
           <a:p>
             <a:r>
-              <a:rPr lang="en-IN" dirty="0" smtClean="0"/>
+              <a:rPr lang="en-IN" dirty="0"/>
               <a:t>INIT = A</a:t>
             </a:r>
           </a:p>
           <a:p>
             <a:r>
               <a:rPr lang="en-IN" dirty="0"/>
-              <a:t>h</a:t>
-            </a:r>
-            <a:r>
-              <a:rPr lang="en-IN" dirty="0" smtClean="0"/>
-              <a:t>’(A) = 10</a:t>
-            </a:r>
-          </a:p>
-          <a:p>
-            <a:r>
-              <a:rPr lang="en-IN" dirty="0" smtClean="0"/>
-              <a:t>FUTILITY= </a:t>
-            </a:r>
-            <a:r>
-              <a:rPr lang="en-IN" dirty="0" smtClean="0"/>
-              <a:t>1000</a:t>
+              <a:t>h’(A) = 10</a:t>
+            </a:r>
+          </a:p>
+          <a:p>
+            <a:r>
+              <a:rPr lang="en-IN" dirty="0"/>
+              <a:t>FUTILITY= 1000</a:t>
             </a:r>
           </a:p>
           <a:p>
@@ -14911,44 +14705,43 @@
               <a:buNone/>
             </a:pPr>
             <a:r>
-              <a:rPr lang="en-IN" dirty="0" smtClean="0"/>
+              <a:rPr lang="en-IN" dirty="0"/>
               <a:t>*************************</a:t>
             </a:r>
-            <a:endParaRPr lang="en-IN" dirty="0" smtClean="0"/>
-          </a:p>
-          <a:p>
-            <a:r>
-              <a:rPr lang="en-IN" dirty="0" smtClean="0"/>
+          </a:p>
+          <a:p>
+            <a:r>
+              <a:rPr lang="en-IN" dirty="0"/>
               <a:t>2 (a). NODE = A</a:t>
             </a:r>
           </a:p>
           <a:p>
             <a:r>
-              <a:rPr lang="en-IN" dirty="0" smtClean="0"/>
+              <a:rPr lang="en-IN" dirty="0"/>
               <a:t>2b). Successors = {B, C, D}</a:t>
             </a:r>
           </a:p>
           <a:p>
             <a:r>
-              <a:rPr lang="en-IN" dirty="0" smtClean="0"/>
+              <a:rPr lang="en-IN" dirty="0"/>
               <a:t>For Successor = B</a:t>
             </a:r>
           </a:p>
           <a:p>
             <a:r>
-              <a:rPr lang="en-IN" dirty="0" smtClean="0"/>
+              <a:rPr lang="en-IN" dirty="0"/>
               <a:t>2b) (i) GRAPH= { A,B}</a:t>
             </a:r>
           </a:p>
           <a:p>
             <a:r>
-              <a:rPr lang="en-IN" dirty="0" smtClean="0"/>
+              <a:rPr lang="en-IN" dirty="0"/>
               <a:t>(ii) ----</a:t>
             </a:r>
           </a:p>
           <a:p>
             <a:r>
-              <a:rPr lang="en-IN" dirty="0" smtClean="0"/>
+              <a:rPr lang="en-IN" dirty="0"/>
               <a:t>(iii) </a:t>
             </a:r>
           </a:p>
@@ -14967,13 +14760,6 @@
   <p:clrMapOvr>
     <a:masterClrMapping/>
   </p:clrMapOvr>
-  <p:timing>
-    <p:tnLst>
-      <p:par>
-        <p:cTn id="1" dur="indefinite" restart="never" nodeType="tmRoot"/>
-      </p:par>
-    </p:tnLst>
-  </p:timing>
 </p:sld>
 </file>
 
@@ -15030,62 +14816,20 @@
           <a:p>
             <a:r>
               <a:rPr lang="en-IN" dirty="0"/>
-              <a:t>i</a:t>
-            </a:r>
-            <a:r>
-              <a:rPr lang="en-IN" dirty="0" smtClean="0"/>
-              <a:t>ii) h</a:t>
-            </a:r>
-            <a:r>
-              <a:rPr lang="en-IN" dirty="0" smtClean="0"/>
-              <a:t>’(B)= 5</a:t>
-            </a:r>
-          </a:p>
-          <a:p>
-            <a:r>
-              <a:rPr lang="en-IN" dirty="0" smtClean="0"/>
+              <a:t>iii) h’(B)= 5</a:t>
+            </a:r>
+          </a:p>
+          <a:p>
+            <a:r>
+              <a:rPr lang="en-IN" dirty="0"/>
               <a:t>For Successor = C</a:t>
             </a:r>
           </a:p>
           <a:p>
             <a:r>
-              <a:rPr lang="en-IN" dirty="0" smtClean="0"/>
+              <a:rPr lang="en-IN" dirty="0"/>
               <a:t>2b(i) GRAPH = { A,B,C}</a:t>
             </a:r>
-          </a:p>
-          <a:p>
-            <a:r>
-              <a:rPr lang="en-IN" dirty="0" smtClean="0"/>
-              <a:t>(ii) ----</a:t>
-            </a:r>
-          </a:p>
-          <a:p>
-            <a:r>
-              <a:rPr lang="en-IN" dirty="0" smtClean="0"/>
-              <a:t>(iii) h’(C) = 3</a:t>
-            </a:r>
-          </a:p>
-          <a:p>
-            <a:r>
-              <a:rPr lang="en-IN" dirty="0"/>
-              <a:t>For Successor = </a:t>
-            </a:r>
-            <a:r>
-              <a:rPr lang="en-IN" dirty="0" smtClean="0"/>
-              <a:t>D</a:t>
-            </a:r>
-            <a:endParaRPr lang="en-IN" dirty="0"/>
-          </a:p>
-          <a:p>
-            <a:r>
-              <a:rPr lang="en-IN" dirty="0"/>
-              <a:t>2b(i) GRAPH = { </a:t>
-            </a:r>
-            <a:r>
-              <a:rPr lang="en-IN" dirty="0" smtClean="0"/>
-              <a:t>A,B,C,D}</a:t>
-            </a:r>
-            <a:endParaRPr lang="en-IN" dirty="0"/>
           </a:p>
           <a:p>
             <a:r>
@@ -15096,30 +14840,41 @@
           <a:p>
             <a:r>
               <a:rPr lang="en-IN" dirty="0"/>
-              <a:t>(iii) h</a:t>
-            </a:r>
-            <a:r>
-              <a:rPr lang="en-IN" dirty="0" smtClean="0"/>
-              <a:t>’(D) </a:t>
-            </a:r>
+              <a:t>(iii) h’(C) = 3</a:t>
+            </a:r>
+          </a:p>
+          <a:p>
             <a:r>
               <a:rPr lang="en-IN" dirty="0"/>
-              <a:t>= </a:t>
-            </a:r>
-            <a:r>
-              <a:rPr lang="en-IN" dirty="0" smtClean="0"/>
-              <a:t>4</a:t>
-            </a:r>
+              <a:t>For Successor = D</a:t>
+            </a:r>
+          </a:p>
+          <a:p>
+            <a:r>
+              <a:rPr lang="en-IN" dirty="0"/>
+              <a:t>2b(i) GRAPH = { A,B,C,D}</a:t>
+            </a:r>
+          </a:p>
+          <a:p>
+            <a:r>
+              <a:rPr lang="en-IN" dirty="0"/>
+              <a:t>(ii) ----</a:t>
+            </a:r>
+          </a:p>
+          <a:p>
+            <a:r>
+              <a:rPr lang="en-IN" dirty="0"/>
+              <a:t>(iii) h’(D) = 4</a:t>
+            </a:r>
+          </a:p>
+          <a:p>
             <a:endParaRPr lang="en-IN" dirty="0"/>
           </a:p>
           <a:p>
-            <a:endParaRPr lang="en-IN" dirty="0" smtClean="0"/>
-          </a:p>
-          <a:p>
-            <a:endParaRPr lang="en-IN" dirty="0" smtClean="0"/>
-          </a:p>
-          <a:p>
-            <a:endParaRPr lang="en-IN" dirty="0" smtClean="0"/>
+            <a:endParaRPr lang="en-IN" dirty="0"/>
+          </a:p>
+          <a:p>
+            <a:endParaRPr lang="en-IN" dirty="0"/>
           </a:p>
           <a:p>
             <a:endParaRPr lang="en-IN" dirty="0"/>
@@ -15136,13 +14891,6 @@
   <p:clrMapOvr>
     <a:masterClrMapping/>
   </p:clrMapOvr>
-  <p:timing>
-    <p:tnLst>
-      <p:par>
-        <p:cTn id="1" dur="indefinite" restart="never" nodeType="tmRoot"/>
-      </p:par>
-    </p:tnLst>
-  </p:timing>
 </p:sld>
 </file>
 
